--- a/Project_Report_DL.pptx
+++ b/Project_Report_DL.pptx
@@ -3191,7 +3191,7 @@
           <a:p>
             <a:fld id="{806397D1-52ED-4C9F-83D8-B6903A786C2C}" type="datetimeFigureOut">
               <a:rPr lang="el-GR"/>
-              <a:t>27/10/21</a:t>
+              <a:t>28/10/21</a:t>
             </a:fld>
             <a:endParaRPr lang="el-GR"/>
           </a:p>
@@ -4680,7 +4680,7 @@
             <a:fld id="{2017FFC7-1519-3648-B44C-7D36A3B73E5F}" type="datetime1">
               <a:rPr lang="en-US"/>
               <a:pPr lvl="0"/>
-              <a:t>10/27/21</a:t>
+              <a:t>10/28/21</a:t>
             </a:fld>
             <a:endParaRPr lang="en-US"/>
           </a:p>
@@ -4915,7 +4915,7 @@
             <a:fld id="{D6A800D1-23A3-604F-A352-555F69F0BA76}" type="datetime1">
               <a:rPr lang="en-US"/>
               <a:pPr lvl="0"/>
-              <a:t>10/27/21</a:t>
+              <a:t>10/28/21</a:t>
             </a:fld>
             <a:endParaRPr lang="en-US"/>
           </a:p>
@@ -5222,7 +5222,7 @@
             <a:fld id="{B762CA33-B3E0-D342-82E0-61585AEFC9C0}" type="datetime1">
               <a:rPr lang="en-US"/>
               <a:pPr lvl="0"/>
-              <a:t>10/27/21</a:t>
+              <a:t>10/28/21</a:t>
             </a:fld>
             <a:endParaRPr lang="en-US"/>
           </a:p>
@@ -5456,7 +5456,7 @@
             <a:fld id="{DC78BFB0-3ADC-E24F-A27B-E576F5250623}" type="datetime1">
               <a:rPr lang="en-US"/>
               <a:pPr lvl="0"/>
-              <a:t>10/27/21</a:t>
+              <a:t>10/28/21</a:t>
             </a:fld>
             <a:endParaRPr lang="en-US"/>
           </a:p>
@@ -5762,7 +5762,7 @@
             <a:fld id="{9CB0183D-9079-AC45-BCB4-D56BCF39F7DE}" type="datetime1">
               <a:rPr lang="en-US"/>
               <a:pPr lvl="0"/>
-              <a:t>10/27/21</a:t>
+              <a:t>10/28/21</a:t>
             </a:fld>
             <a:endParaRPr lang="en-US"/>
           </a:p>
@@ -6079,7 +6079,7 @@
             <a:fld id="{467F8A3D-B027-F542-B10C-321662E3B057}" type="datetime1">
               <a:rPr lang="en-US"/>
               <a:pPr lvl="0"/>
-              <a:t>10/27/21</a:t>
+              <a:t>10/28/21</a:t>
             </a:fld>
             <a:endParaRPr lang="en-US"/>
           </a:p>
@@ -6483,7 +6483,7 @@
             <a:fld id="{FDB39838-C5DB-A04E-A7E4-FBB2820B64BA}" type="datetime1">
               <a:rPr lang="en-US"/>
               <a:pPr lvl="0"/>
-              <a:t>10/27/21</a:t>
+              <a:t>10/28/21</a:t>
             </a:fld>
             <a:endParaRPr lang="en-US"/>
           </a:p>
@@ -6644,7 +6644,7 @@
             <a:fld id="{713A4A7C-0777-4D49-957E-2C5F7AFEDDCA}" type="datetime1">
               <a:rPr lang="en-US"/>
               <a:pPr lvl="0"/>
-              <a:t>10/27/21</a:t>
+              <a:t>10/28/21</a:t>
             </a:fld>
             <a:endParaRPr lang="en-US"/>
           </a:p>
@@ -6835,7 +6835,7 @@
             <a:fld id="{2A7346E4-AE0F-F74E-A95C-EACCACE345B8}" type="datetime1">
               <a:rPr lang="en-US"/>
               <a:pPr lvl="0"/>
-              <a:t>10/27/21</a:t>
+              <a:t>10/28/21</a:t>
             </a:fld>
             <a:endParaRPr lang="en-US"/>
           </a:p>
@@ -7194,7 +7194,7 @@
             <a:fld id="{40BA78A3-F36F-F844-A30A-8A8C30E985C1}" type="datetime1">
               <a:rPr lang="en-US"/>
               <a:pPr lvl="0"/>
-              <a:t>10/27/21</a:t>
+              <a:t>10/28/21</a:t>
             </a:fld>
             <a:endParaRPr lang="en-US"/>
           </a:p>
@@ -7533,7 +7533,7 @@
             <a:fld id="{32CFC9E3-3AE9-9540-B4C6-0EB64D2EE7FC}" type="datetime1">
               <a:rPr lang="en-US"/>
               <a:pPr lvl="0"/>
-              <a:t>10/27/21</a:t>
+              <a:t>10/28/21</a:t>
             </a:fld>
             <a:endParaRPr lang="en-US"/>
           </a:p>
@@ -7877,7 +7877,7 @@
             <a:fld id="{906CB565-265E-2648-9D00-79B459DFB730}" type="datetime1">
               <a:rPr lang="en-US"/>
               <a:pPr lvl="0"/>
-              <a:t>10/27/21</a:t>
+              <a:t>10/28/21</a:t>
             </a:fld>
             <a:endParaRPr lang="en-US"/>
           </a:p>
@@ -20274,8 +20274,21 @@
                   <a:schemeClr val="bg1"/>
                 </a:solidFill>
               </a:rPr>
-              <a:t>Transfer learning – VGG</a:t>
-            </a:r>
+              <a:t>Transfer learning </a:t>
+            </a:r>
+            <a:r>
+              <a:rPr lang="en-US" sz="2000">
+                <a:solidFill>
+                  <a:schemeClr val="bg1"/>
+                </a:solidFill>
+              </a:rPr>
+              <a:t>– VGG16</a:t>
+            </a:r>
+            <a:endParaRPr lang="en-US" sz="2000" dirty="0">
+              <a:solidFill>
+                <a:schemeClr val="bg1"/>
+              </a:solidFill>
+            </a:endParaRPr>
           </a:p>
           <a:p>
             <a:pPr>
@@ -20289,6 +20302,20 @@
                 </a:solidFill>
               </a:rPr>
               <a:t>Siamese Neural Network</a:t>
+            </a:r>
+          </a:p>
+          <a:p>
+            <a:pPr>
+              <a:buFont typeface="Arial" pitchFamily="34"/>
+              <a:buChar char="•"/>
+            </a:pPr>
+            <a:r>
+              <a:rPr lang="en-US" sz="2000" dirty="0">
+                <a:solidFill>
+                  <a:schemeClr val="bg1"/>
+                </a:solidFill>
+              </a:rPr>
+              <a:t>Experiments - Results</a:t>
             </a:r>
             <a:endParaRPr lang="en-US" sz="2400" dirty="0">
               <a:solidFill>
